--- a/02-Harbir/NaplamPresentation.pptx
+++ b/02-Harbir/NaplamPresentation.pptx
@@ -128,7 +128,7 @@
 <file path=ppt/revisionInfo.xml><?xml version="1.0" encoding="utf-8"?>
 <p1510:revInfo xmlns:a="http://schemas.openxmlformats.org/drawingml/2006/main" xmlns:r="http://schemas.openxmlformats.org/officeDocument/2006/relationships" xmlns:p1510="http://schemas.microsoft.com/office/powerpoint/2015/10/main">
   <p1510:revLst>
-    <p1510:client id="{9E3F37B4-2978-1645-A51E-B81412BDD000}" v="43" dt="2021-02-23T18:31:40.906"/>
+    <p1510:client id="{9E3F37B4-2978-1645-A51E-B81412BDD000}" v="44" dt="2021-02-23T19:47:03.269"/>
   </p1510:revLst>
 </p1510:revInfo>
 </file>
@@ -3920,13 +3920,8 @@
             </a:r>
             <a:r>
               <a:rPr lang="en-NO" dirty="0"/>
-              <a:t>Close, også når det skjer feil, feil passord, device down, </a:t>
-            </a:r>
-            <a:r>
-              <a:rPr lang="en-NO"/>
-              <a:t>osv.</a:t>
-            </a:r>
-            <a:endParaRPr lang="en-NO" dirty="0"/>
+              <a:t>Close, også når det skjer feil, feil passord, device down, osv.</a:t>
+            </a:r>
           </a:p>
           <a:p>
             <a:r>
@@ -4263,6 +4258,26 @@
           <a:bodyPr/>
           <a:lstStyle/>
           <a:p>
+            <a:r>
+              <a:rPr lang="en-GB" dirty="0"/>
+              <a:t>https://</a:t>
+            </a:r>
+            <a:r>
+              <a:rPr lang="en-GB" dirty="0" err="1"/>
+              <a:t>github.com</a:t>
+            </a:r>
+            <a:r>
+              <a:rPr lang="en-GB" dirty="0"/>
+              <a:t>/</a:t>
+            </a:r>
+            <a:r>
+              <a:rPr lang="en-GB" dirty="0" err="1"/>
+              <a:t>ateanorge</a:t>
+            </a:r>
+            <a:r>
+              <a:rPr lang="en-GB"/>
+              <a:t>/CNSDQ121/tree/main/02-Harbir</a:t>
+            </a:r>
             <a:endParaRPr lang="en-NO" dirty="0"/>
           </a:p>
         </p:txBody>

--- a/02-Harbir/NaplamPresentation.pptx
+++ b/02-Harbir/NaplamPresentation.pptx
@@ -9,8 +9,8 @@
     <p:sldId id="265" r:id="rId3"/>
     <p:sldId id="272" r:id="rId4"/>
     <p:sldId id="273" r:id="rId5"/>
-    <p:sldId id="258" r:id="rId6"/>
-    <p:sldId id="259" r:id="rId7"/>
+    <p:sldId id="259" r:id="rId6"/>
+    <p:sldId id="258" r:id="rId7"/>
     <p:sldId id="261" r:id="rId8"/>
     <p:sldId id="270" r:id="rId9"/>
     <p:sldId id="260" r:id="rId10"/>
@@ -122,15 +122,64 @@
       </a:defRPr>
     </a:lvl9pPr>
   </p:defaultTextStyle>
+  <p:extLst>
+    <p:ext uri="{EFAFB233-063F-42B5-8137-9DF3F51BA10A}">
+      <p15:sldGuideLst xmlns:p15="http://schemas.microsoft.com/office/powerpoint/2012/main"/>
+    </p:ext>
+  </p:extLst>
 </p:presentation>
 </file>
 
 <file path=ppt/revisionInfo.xml><?xml version="1.0" encoding="utf-8"?>
 <p1510:revInfo xmlns:a="http://schemas.openxmlformats.org/drawingml/2006/main" xmlns:r="http://schemas.openxmlformats.org/officeDocument/2006/relationships" xmlns:p1510="http://schemas.microsoft.com/office/powerpoint/2015/10/main">
   <p1510:revLst>
-    <p1510:client id="{9E3F37B4-2978-1645-A51E-B81412BDD000}" v="44" dt="2021-02-23T19:47:03.269"/>
+    <p1510:client id="{9E3F37B4-2978-1645-A51E-B81412BDD000}" v="45" dt="2021-02-24T09:09:52.409"/>
   </p1510:revLst>
 </p1510:revInfo>
+</file>
+
+<file path=ppt/changesInfos/changesInfo1.xml><?xml version="1.0" encoding="utf-8"?>
+<pc:chgInfo xmlns:a="http://schemas.openxmlformats.org/drawingml/2006/main" xmlns:r="http://schemas.openxmlformats.org/officeDocument/2006/relationships" xmlns:ac="http://schemas.microsoft.com/office/drawing/2013/main/command" xmlns:pc="http://schemas.microsoft.com/office/powerpoint/2013/main/command">
+  <pc:docChgLst>
+    <pc:chgData name="Harbir Singh Kohli" userId="18529045-7e75-42d3-bd46-2dc2cabd7aa0" providerId="ADAL" clId="{9E3F37B4-2978-1645-A51E-B81412BDD000}"/>
+    <pc:docChg chg="modSld sldOrd">
+      <pc:chgData name="Harbir Singh Kohli" userId="18529045-7e75-42d3-bd46-2dc2cabd7aa0" providerId="ADAL" clId="{9E3F37B4-2978-1645-A51E-B81412BDD000}" dt="2021-02-24T09:14:38.468" v="25" actId="20577"/>
+      <pc:docMkLst>
+        <pc:docMk/>
+      </pc:docMkLst>
+      <pc:sldChg chg="modSp mod ord">
+        <pc:chgData name="Harbir Singh Kohli" userId="18529045-7e75-42d3-bd46-2dc2cabd7aa0" providerId="ADAL" clId="{9E3F37B4-2978-1645-A51E-B81412BDD000}" dt="2021-02-24T09:10:09.680" v="19" actId="20577"/>
+        <pc:sldMkLst>
+          <pc:docMk/>
+          <pc:sldMk cId="2506713308" sldId="259"/>
+        </pc:sldMkLst>
+        <pc:spChg chg="mod">
+          <ac:chgData name="Harbir Singh Kohli" userId="18529045-7e75-42d3-bd46-2dc2cabd7aa0" providerId="ADAL" clId="{9E3F37B4-2978-1645-A51E-B81412BDD000}" dt="2021-02-24T09:10:09.680" v="19" actId="20577"/>
+          <ac:spMkLst>
+            <pc:docMk/>
+            <pc:sldMk cId="2506713308" sldId="259"/>
+            <ac:spMk id="2" creationId="{B75AC800-D8D1-2348-A366-FAE84E50AE38}"/>
+          </ac:spMkLst>
+        </pc:spChg>
+      </pc:sldChg>
+      <pc:sldChg chg="modSp mod">
+        <pc:chgData name="Harbir Singh Kohli" userId="18529045-7e75-42d3-bd46-2dc2cabd7aa0" providerId="ADAL" clId="{9E3F37B4-2978-1645-A51E-B81412BDD000}" dt="2021-02-24T09:14:38.468" v="25" actId="20577"/>
+        <pc:sldMkLst>
+          <pc:docMk/>
+          <pc:sldMk cId="1427486941" sldId="277"/>
+        </pc:sldMkLst>
+        <pc:spChg chg="mod">
+          <ac:chgData name="Harbir Singh Kohli" userId="18529045-7e75-42d3-bd46-2dc2cabd7aa0" providerId="ADAL" clId="{9E3F37B4-2978-1645-A51E-B81412BDD000}" dt="2021-02-24T09:14:38.468" v="25" actId="20577"/>
+          <ac:spMkLst>
+            <pc:docMk/>
+            <pc:sldMk cId="1427486941" sldId="277"/>
+            <ac:spMk id="3" creationId="{417457EB-34E2-4442-A574-C7AC3D00FFE3}"/>
+          </ac:spMkLst>
+        </pc:spChg>
+      </pc:sldChg>
+    </pc:docChg>
+  </pc:docChgLst>
+</pc:chgInfo>
 </file>
 
 <file path=ppt/slideLayouts/slideLayout1.xml><?xml version="1.0" encoding="utf-8"?>
@@ -282,7 +331,7 @@
           <a:p>
             <a:fld id="{B0608FB6-65DA-2448-8E3B-7CA0D1B51D46}" type="datetimeFigureOut">
               <a:rPr lang="en-NO" smtClean="0"/>
-              <a:t>19/02/2021</a:t>
+              <a:t>24/02/2021</a:t>
             </a:fld>
             <a:endParaRPr lang="en-NO"/>
           </a:p>
@@ -482,7 +531,7 @@
           <a:p>
             <a:fld id="{B0608FB6-65DA-2448-8E3B-7CA0D1B51D46}" type="datetimeFigureOut">
               <a:rPr lang="en-NO" smtClean="0"/>
-              <a:t>19/02/2021</a:t>
+              <a:t>24/02/2021</a:t>
             </a:fld>
             <a:endParaRPr lang="en-NO"/>
           </a:p>
@@ -692,7 +741,7 @@
           <a:p>
             <a:fld id="{B0608FB6-65DA-2448-8E3B-7CA0D1B51D46}" type="datetimeFigureOut">
               <a:rPr lang="en-NO" smtClean="0"/>
-              <a:t>19/02/2021</a:t>
+              <a:t>24/02/2021</a:t>
             </a:fld>
             <a:endParaRPr lang="en-NO"/>
           </a:p>
@@ -892,7 +941,7 @@
           <a:p>
             <a:fld id="{B0608FB6-65DA-2448-8E3B-7CA0D1B51D46}" type="datetimeFigureOut">
               <a:rPr lang="en-NO" smtClean="0"/>
-              <a:t>19/02/2021</a:t>
+              <a:t>24/02/2021</a:t>
             </a:fld>
             <a:endParaRPr lang="en-NO"/>
           </a:p>
@@ -1168,7 +1217,7 @@
           <a:p>
             <a:fld id="{B0608FB6-65DA-2448-8E3B-7CA0D1B51D46}" type="datetimeFigureOut">
               <a:rPr lang="en-NO" smtClean="0"/>
-              <a:t>19/02/2021</a:t>
+              <a:t>24/02/2021</a:t>
             </a:fld>
             <a:endParaRPr lang="en-NO"/>
           </a:p>
@@ -1436,7 +1485,7 @@
           <a:p>
             <a:fld id="{B0608FB6-65DA-2448-8E3B-7CA0D1B51D46}" type="datetimeFigureOut">
               <a:rPr lang="en-NO" smtClean="0"/>
-              <a:t>19/02/2021</a:t>
+              <a:t>24/02/2021</a:t>
             </a:fld>
             <a:endParaRPr lang="en-NO"/>
           </a:p>
@@ -1851,7 +1900,7 @@
           <a:p>
             <a:fld id="{B0608FB6-65DA-2448-8E3B-7CA0D1B51D46}" type="datetimeFigureOut">
               <a:rPr lang="en-NO" smtClean="0"/>
-              <a:t>19/02/2021</a:t>
+              <a:t>24/02/2021</a:t>
             </a:fld>
             <a:endParaRPr lang="en-NO"/>
           </a:p>
@@ -1993,7 +2042,7 @@
           <a:p>
             <a:fld id="{B0608FB6-65DA-2448-8E3B-7CA0D1B51D46}" type="datetimeFigureOut">
               <a:rPr lang="en-NO" smtClean="0"/>
-              <a:t>19/02/2021</a:t>
+              <a:t>24/02/2021</a:t>
             </a:fld>
             <a:endParaRPr lang="en-NO"/>
           </a:p>
@@ -2106,7 +2155,7 @@
           <a:p>
             <a:fld id="{B0608FB6-65DA-2448-8E3B-7CA0D1B51D46}" type="datetimeFigureOut">
               <a:rPr lang="en-NO" smtClean="0"/>
-              <a:t>19/02/2021</a:t>
+              <a:t>24/02/2021</a:t>
             </a:fld>
             <a:endParaRPr lang="en-NO"/>
           </a:p>
@@ -2419,7 +2468,7 @@
           <a:p>
             <a:fld id="{B0608FB6-65DA-2448-8E3B-7CA0D1B51D46}" type="datetimeFigureOut">
               <a:rPr lang="en-NO" smtClean="0"/>
-              <a:t>19/02/2021</a:t>
+              <a:t>24/02/2021</a:t>
             </a:fld>
             <a:endParaRPr lang="en-NO"/>
           </a:p>
@@ -2708,7 +2757,7 @@
           <a:p>
             <a:fld id="{B0608FB6-65DA-2448-8E3B-7CA0D1B51D46}" type="datetimeFigureOut">
               <a:rPr lang="en-NO" smtClean="0"/>
-              <a:t>19/02/2021</a:t>
+              <a:t>24/02/2021</a:t>
             </a:fld>
             <a:endParaRPr lang="en-NO"/>
           </a:p>
@@ -2951,7 +3000,7 @@
           <a:p>
             <a:fld id="{B0608FB6-65DA-2448-8E3B-7CA0D1B51D46}" type="datetimeFigureOut">
               <a:rPr lang="en-NO" smtClean="0"/>
-              <a:t>19/02/2021</a:t>
+              <a:t>24/02/2021</a:t>
             </a:fld>
             <a:endParaRPr lang="en-NO"/>
           </a:p>
@@ -3656,7 +3705,7 @@
             </a:r>
             <a:r>
               <a:rPr lang="nb-NO" dirty="0"/>
-              <a:t>(), </a:t>
+              <a:t>()</a:t>
             </a:r>
           </a:p>
           <a:p>
@@ -3666,7 +3715,7 @@
             </a:r>
             <a:r>
               <a:rPr lang="nb-NO" dirty="0"/>
-              <a:t>(), </a:t>
+              <a:t>()</a:t>
             </a:r>
           </a:p>
           <a:p>
@@ -3675,9 +3724,10 @@
               <a:t>get_bgp_neighbors</a:t>
             </a:r>
             <a:r>
-              <a:rPr lang="nb-NO" dirty="0"/>
-              <a:t>(), </a:t>
-            </a:r>
+              <a:rPr lang="nb-NO"/>
+              <a:t>()</a:t>
+            </a:r>
+            <a:endParaRPr lang="nb-NO" dirty="0"/>
           </a:p>
           <a:p>
             <a:r>
@@ -5142,7 +5192,7 @@
           <p:cNvPr id="2" name="Title 1">
             <a:extLst>
               <a:ext uri="{FF2B5EF4-FFF2-40B4-BE49-F238E27FC236}">
-                <a16:creationId xmlns:a16="http://schemas.microsoft.com/office/drawing/2014/main" id="{8449234A-6A17-F241-B835-61CB104DD459}"/>
+                <a16:creationId xmlns:a16="http://schemas.microsoft.com/office/drawing/2014/main" id="{B75AC800-D8D1-2348-A366-FAE84E50AE38}"/>
               </a:ext>
             </a:extLst>
           </p:cNvPr>
@@ -5160,7 +5210,7 @@
           <a:p>
             <a:r>
               <a:rPr lang="en-NO" dirty="0"/>
-              <a:t>Hva kan man gjøre med Napalm?</a:t>
+              <a:t>Hva kan man gjøre med Napalm - Getters</a:t>
             </a:r>
           </a:p>
         </p:txBody>
@@ -5170,7 +5220,7 @@
           <p:cNvPr id="3" name="Content Placeholder 2">
             <a:extLst>
               <a:ext uri="{FF2B5EF4-FFF2-40B4-BE49-F238E27FC236}">
-                <a16:creationId xmlns:a16="http://schemas.microsoft.com/office/drawing/2014/main" id="{3A6A3ED2-2826-D145-B59B-44C5C7BF307A}"/>
+                <a16:creationId xmlns:a16="http://schemas.microsoft.com/office/drawing/2014/main" id="{8002B12B-F826-E64A-B1D1-3B3CC2257DD7}"/>
               </a:ext>
             </a:extLst>
           </p:cNvPr>
@@ -5181,18 +5231,23 @@
             <p:ph idx="1"/>
           </p:nvPr>
         </p:nvSpPr>
-        <p:spPr/>
-        <p:txBody>
-          <a:bodyPr/>
-          <a:lstStyle/>
-          <a:p>
-            <a:r>
-              <a:rPr lang="en-GB" dirty="0">
+        <p:spPr>
+          <a:xfrm>
+            <a:off x="720754" y="1253331"/>
+            <a:ext cx="10515600" cy="4351338"/>
+          </a:xfrm>
+        </p:spPr>
+        <p:txBody>
+          <a:bodyPr/>
+          <a:lstStyle/>
+          <a:p>
+            <a:r>
+              <a:rPr lang="en-GB" sz="2000" dirty="0">
                 <a:hlinkClick r:id="rId2"/>
               </a:rPr>
-              <a:t>https://napalm.readthedocs.io/en/latest/support/index.html#general-support-matrix</a:t>
-            </a:r>
-            <a:endParaRPr lang="en-GB" dirty="0"/>
+              <a:t>https://napalm.readthedocs.io/en/latest/support/index.html#getters-support-matrix</a:t>
+            </a:r>
+            <a:endParaRPr lang="en-GB" sz="2000" dirty="0"/>
           </a:p>
           <a:p>
             <a:endParaRPr lang="en-NO" dirty="0"/>
@@ -5201,10 +5256,10 @@
       </p:sp>
       <p:pic>
         <p:nvPicPr>
-          <p:cNvPr id="4" name="Picture 3">
-            <a:extLst>
-              <a:ext uri="{FF2B5EF4-FFF2-40B4-BE49-F238E27FC236}">
-                <a16:creationId xmlns:a16="http://schemas.microsoft.com/office/drawing/2014/main" id="{EE01FE4B-3919-1E40-8C52-1BFFE7857C9F}"/>
+          <p:cNvPr id="4" name="Content Placeholder 3">
+            <a:extLst>
+              <a:ext uri="{FF2B5EF4-FFF2-40B4-BE49-F238E27FC236}">
+                <a16:creationId xmlns:a16="http://schemas.microsoft.com/office/drawing/2014/main" id="{3755C934-6D6B-EC49-9B2E-B934ECA00F50}"/>
               </a:ext>
             </a:extLst>
           </p:cNvPr>
@@ -5221,8 +5276,8 @@
         </p:blipFill>
         <p:spPr>
           <a:xfrm>
-            <a:off x="950269" y="2629073"/>
-            <a:ext cx="9080500" cy="3632200"/>
+            <a:off x="1455933" y="1610687"/>
+            <a:ext cx="7730535" cy="3928822"/>
           </a:xfrm>
           <a:prstGeom prst="rect">
             <a:avLst/>
@@ -5232,7 +5287,7 @@
     </p:spTree>
     <p:extLst>
       <p:ext uri="{BB962C8B-B14F-4D97-AF65-F5344CB8AC3E}">
-        <p14:creationId xmlns:p14="http://schemas.microsoft.com/office/powerpoint/2010/main" val="1814168676"/>
+        <p14:creationId xmlns:p14="http://schemas.microsoft.com/office/powerpoint/2010/main" val="2506713308"/>
       </p:ext>
     </p:extLst>
   </p:cSld>
@@ -5264,7 +5319,7 @@
           <p:cNvPr id="2" name="Title 1">
             <a:extLst>
               <a:ext uri="{FF2B5EF4-FFF2-40B4-BE49-F238E27FC236}">
-                <a16:creationId xmlns:a16="http://schemas.microsoft.com/office/drawing/2014/main" id="{B75AC800-D8D1-2348-A366-FAE84E50AE38}"/>
+                <a16:creationId xmlns:a16="http://schemas.microsoft.com/office/drawing/2014/main" id="{8449234A-6A17-F241-B835-61CB104DD459}"/>
               </a:ext>
             </a:extLst>
           </p:cNvPr>
@@ -5282,7 +5337,7 @@
           <a:p>
             <a:r>
               <a:rPr lang="en-NO" dirty="0"/>
-              <a:t>Getters Support Matrix</a:t>
+              <a:t>Hva kan man gjøre med Napalm?</a:t>
             </a:r>
           </a:p>
         </p:txBody>
@@ -5292,7 +5347,7 @@
           <p:cNvPr id="3" name="Content Placeholder 2">
             <a:extLst>
               <a:ext uri="{FF2B5EF4-FFF2-40B4-BE49-F238E27FC236}">
-                <a16:creationId xmlns:a16="http://schemas.microsoft.com/office/drawing/2014/main" id="{8002B12B-F826-E64A-B1D1-3B3CC2257DD7}"/>
+                <a16:creationId xmlns:a16="http://schemas.microsoft.com/office/drawing/2014/main" id="{3A6A3ED2-2826-D145-B59B-44C5C7BF307A}"/>
               </a:ext>
             </a:extLst>
           </p:cNvPr>
@@ -5303,23 +5358,18 @@
             <p:ph idx="1"/>
           </p:nvPr>
         </p:nvSpPr>
-        <p:spPr>
-          <a:xfrm>
-            <a:off x="720754" y="1253331"/>
-            <a:ext cx="10515600" cy="4351338"/>
-          </a:xfrm>
-        </p:spPr>
-        <p:txBody>
-          <a:bodyPr/>
-          <a:lstStyle/>
-          <a:p>
-            <a:r>
-              <a:rPr lang="en-GB" sz="2000" dirty="0">
+        <p:spPr/>
+        <p:txBody>
+          <a:bodyPr/>
+          <a:lstStyle/>
+          <a:p>
+            <a:r>
+              <a:rPr lang="en-GB" dirty="0">
                 <a:hlinkClick r:id="rId2"/>
               </a:rPr>
-              <a:t>https://napalm.readthedocs.io/en/latest/support/index.html#getters-support-matrix</a:t>
-            </a:r>
-            <a:endParaRPr lang="en-GB" sz="2000" dirty="0"/>
+              <a:t>https://napalm.readthedocs.io/en/latest/support/index.html#general-support-matrix</a:t>
+            </a:r>
+            <a:endParaRPr lang="en-GB" dirty="0"/>
           </a:p>
           <a:p>
             <a:endParaRPr lang="en-NO" dirty="0"/>
@@ -5328,10 +5378,10 @@
       </p:sp>
       <p:pic>
         <p:nvPicPr>
-          <p:cNvPr id="4" name="Content Placeholder 3">
-            <a:extLst>
-              <a:ext uri="{FF2B5EF4-FFF2-40B4-BE49-F238E27FC236}">
-                <a16:creationId xmlns:a16="http://schemas.microsoft.com/office/drawing/2014/main" id="{3755C934-6D6B-EC49-9B2E-B934ECA00F50}"/>
+          <p:cNvPr id="4" name="Picture 3">
+            <a:extLst>
+              <a:ext uri="{FF2B5EF4-FFF2-40B4-BE49-F238E27FC236}">
+                <a16:creationId xmlns:a16="http://schemas.microsoft.com/office/drawing/2014/main" id="{EE01FE4B-3919-1E40-8C52-1BFFE7857C9F}"/>
               </a:ext>
             </a:extLst>
           </p:cNvPr>
@@ -5348,8 +5398,8 @@
         </p:blipFill>
         <p:spPr>
           <a:xfrm>
-            <a:off x="1455933" y="1610687"/>
-            <a:ext cx="7730535" cy="3928822"/>
+            <a:off x="950269" y="2629073"/>
+            <a:ext cx="9080500" cy="3632200"/>
           </a:xfrm>
           <a:prstGeom prst="rect">
             <a:avLst/>
@@ -5359,7 +5409,7 @@
     </p:spTree>
     <p:extLst>
       <p:ext uri="{BB962C8B-B14F-4D97-AF65-F5344CB8AC3E}">
-        <p14:creationId xmlns:p14="http://schemas.microsoft.com/office/powerpoint/2010/main" val="2506713308"/>
+        <p14:creationId xmlns:p14="http://schemas.microsoft.com/office/powerpoint/2010/main" val="1814168676"/>
       </p:ext>
     </p:extLst>
   </p:cSld>

--- a/02-Harbir/NaplamPresentation.pptx
+++ b/02-Harbir/NaplamPresentation.pptx
@@ -18,12 +18,13 @@
     <p:sldId id="277" r:id="rId12"/>
     <p:sldId id="271" r:id="rId13"/>
     <p:sldId id="269" r:id="rId14"/>
-    <p:sldId id="276" r:id="rId15"/>
-    <p:sldId id="268" r:id="rId16"/>
-    <p:sldId id="257" r:id="rId17"/>
-    <p:sldId id="263" r:id="rId18"/>
-    <p:sldId id="275" r:id="rId19"/>
-    <p:sldId id="262" r:id="rId20"/>
+    <p:sldId id="278" r:id="rId15"/>
+    <p:sldId id="276" r:id="rId16"/>
+    <p:sldId id="268" r:id="rId17"/>
+    <p:sldId id="257" r:id="rId18"/>
+    <p:sldId id="263" r:id="rId19"/>
+    <p:sldId id="275" r:id="rId20"/>
+    <p:sldId id="262" r:id="rId21"/>
   </p:sldIdLst>
   <p:sldSz cx="12192000" cy="6858000"/>
   <p:notesSz cx="6858000" cy="9144000"/>
@@ -133,7 +134,7 @@
 <file path=ppt/revisionInfo.xml><?xml version="1.0" encoding="utf-8"?>
 <p1510:revInfo xmlns:a="http://schemas.openxmlformats.org/drawingml/2006/main" xmlns:r="http://schemas.openxmlformats.org/officeDocument/2006/relationships" xmlns:p1510="http://schemas.microsoft.com/office/powerpoint/2015/10/main">
   <p1510:revLst>
-    <p1510:client id="{9E3F37B4-2978-1645-A51E-B81412BDD000}" v="45" dt="2021-02-24T09:09:52.409"/>
+    <p1510:client id="{9E3F37B4-2978-1645-A51E-B81412BDD000}" v="50" dt="2021-02-26T07:10:27.016"/>
   </p1510:revLst>
 </p1510:revInfo>
 </file>
@@ -142,8 +143,8 @@
 <pc:chgInfo xmlns:a="http://schemas.openxmlformats.org/drawingml/2006/main" xmlns:r="http://schemas.openxmlformats.org/officeDocument/2006/relationships" xmlns:ac="http://schemas.microsoft.com/office/drawing/2013/main/command" xmlns:pc="http://schemas.microsoft.com/office/powerpoint/2013/main/command">
   <pc:docChgLst>
     <pc:chgData name="Harbir Singh Kohli" userId="18529045-7e75-42d3-bd46-2dc2cabd7aa0" providerId="ADAL" clId="{9E3F37B4-2978-1645-A51E-B81412BDD000}"/>
-    <pc:docChg chg="modSld sldOrd">
-      <pc:chgData name="Harbir Singh Kohli" userId="18529045-7e75-42d3-bd46-2dc2cabd7aa0" providerId="ADAL" clId="{9E3F37B4-2978-1645-A51E-B81412BDD000}" dt="2021-02-24T09:14:38.468" v="25" actId="20577"/>
+    <pc:docChg chg="custSel addSld delSld modSld sldOrd">
+      <pc:chgData name="Harbir Singh Kohli" userId="18529045-7e75-42d3-bd46-2dc2cabd7aa0" providerId="ADAL" clId="{9E3F37B4-2978-1645-A51E-B81412BDD000}" dt="2021-02-26T07:10:35.995" v="61" actId="2696"/>
       <pc:docMkLst>
         <pc:docMk/>
       </pc:docMkLst>
@@ -163,6 +164,21 @@
         </pc:spChg>
       </pc:sldChg>
       <pc:sldChg chg="modSp mod">
+        <pc:chgData name="Harbir Singh Kohli" userId="18529045-7e75-42d3-bd46-2dc2cabd7aa0" providerId="ADAL" clId="{9E3F37B4-2978-1645-A51E-B81412BDD000}" dt="2021-02-26T06:59:12.966" v="52" actId="20577"/>
+        <pc:sldMkLst>
+          <pc:docMk/>
+          <pc:sldMk cId="247455556" sldId="265"/>
+        </pc:sldMkLst>
+        <pc:spChg chg="mod">
+          <ac:chgData name="Harbir Singh Kohli" userId="18529045-7e75-42d3-bd46-2dc2cabd7aa0" providerId="ADAL" clId="{9E3F37B4-2978-1645-A51E-B81412BDD000}" dt="2021-02-26T06:59:12.966" v="52" actId="20577"/>
+          <ac:spMkLst>
+            <pc:docMk/>
+            <pc:sldMk cId="247455556" sldId="265"/>
+            <ac:spMk id="3" creationId="{40FCCC18-C6E6-7B4B-B7FE-89E4F5B0B961}"/>
+          </ac:spMkLst>
+        </pc:spChg>
+      </pc:sldChg>
+      <pc:sldChg chg="modSp mod">
         <pc:chgData name="Harbir Singh Kohli" userId="18529045-7e75-42d3-bd46-2dc2cabd7aa0" providerId="ADAL" clId="{9E3F37B4-2978-1645-A51E-B81412BDD000}" dt="2021-02-24T09:14:38.468" v="25" actId="20577"/>
         <pc:sldMkLst>
           <pc:docMk/>
@@ -174,6 +190,68 @@
             <pc:docMk/>
             <pc:sldMk cId="1427486941" sldId="277"/>
             <ac:spMk id="3" creationId="{417457EB-34E2-4442-A574-C7AC3D00FFE3}"/>
+          </ac:spMkLst>
+        </pc:spChg>
+      </pc:sldChg>
+      <pc:sldChg chg="modSp new mod">
+        <pc:chgData name="Harbir Singh Kohli" userId="18529045-7e75-42d3-bd46-2dc2cabd7aa0" providerId="ADAL" clId="{9E3F37B4-2978-1645-A51E-B81412BDD000}" dt="2021-02-24T12:04:59.946" v="38" actId="20577"/>
+        <pc:sldMkLst>
+          <pc:docMk/>
+          <pc:sldMk cId="4229559583" sldId="278"/>
+        </pc:sldMkLst>
+        <pc:spChg chg="mod">
+          <ac:chgData name="Harbir Singh Kohli" userId="18529045-7e75-42d3-bd46-2dc2cabd7aa0" providerId="ADAL" clId="{9E3F37B4-2978-1645-A51E-B81412BDD000}" dt="2021-02-24T12:04:54.125" v="29" actId="20577"/>
+          <ac:spMkLst>
+            <pc:docMk/>
+            <pc:sldMk cId="4229559583" sldId="278"/>
+            <ac:spMk id="2" creationId="{614BC15A-916A-9A43-80DE-D47E5F652748}"/>
+          </ac:spMkLst>
+        </pc:spChg>
+        <pc:spChg chg="mod">
+          <ac:chgData name="Harbir Singh Kohli" userId="18529045-7e75-42d3-bd46-2dc2cabd7aa0" providerId="ADAL" clId="{9E3F37B4-2978-1645-A51E-B81412BDD000}" dt="2021-02-24T12:04:59.946" v="38" actId="20577"/>
+          <ac:spMkLst>
+            <pc:docMk/>
+            <pc:sldMk cId="4229559583" sldId="278"/>
+            <ac:spMk id="3" creationId="{266FA01E-E0BC-7E46-9B58-66AF7A241828}"/>
+          </ac:spMkLst>
+        </pc:spChg>
+      </pc:sldChg>
+      <pc:sldChg chg="addSp delSp modSp new del mod">
+        <pc:chgData name="Harbir Singh Kohli" userId="18529045-7e75-42d3-bd46-2dc2cabd7aa0" providerId="ADAL" clId="{9E3F37B4-2978-1645-A51E-B81412BDD000}" dt="2021-02-26T07:10:35.995" v="61" actId="2696"/>
+        <pc:sldMkLst>
+          <pc:docMk/>
+          <pc:sldMk cId="2299176424" sldId="279"/>
+        </pc:sldMkLst>
+        <pc:spChg chg="del">
+          <ac:chgData name="Harbir Singh Kohli" userId="18529045-7e75-42d3-bd46-2dc2cabd7aa0" providerId="ADAL" clId="{9E3F37B4-2978-1645-A51E-B81412BDD000}" dt="2021-02-26T07:10:11.740" v="55" actId="478"/>
+          <ac:spMkLst>
+            <pc:docMk/>
+            <pc:sldMk cId="2299176424" sldId="279"/>
+            <ac:spMk id="2" creationId="{EDA56DBA-9728-9041-9F68-048F1BB23571}"/>
+          </ac:spMkLst>
+        </pc:spChg>
+        <pc:spChg chg="del">
+          <ac:chgData name="Harbir Singh Kohli" userId="18529045-7e75-42d3-bd46-2dc2cabd7aa0" providerId="ADAL" clId="{9E3F37B4-2978-1645-A51E-B81412BDD000}" dt="2021-02-26T07:10:09.757" v="54" actId="478"/>
+          <ac:spMkLst>
+            <pc:docMk/>
+            <pc:sldMk cId="2299176424" sldId="279"/>
+            <ac:spMk id="3" creationId="{D940BE63-9EBA-8E45-A482-5E6D0FB76404}"/>
+          </ac:spMkLst>
+        </pc:spChg>
+        <pc:spChg chg="add mod">
+          <ac:chgData name="Harbir Singh Kohli" userId="18529045-7e75-42d3-bd46-2dc2cabd7aa0" providerId="ADAL" clId="{9E3F37B4-2978-1645-A51E-B81412BDD000}" dt="2021-02-26T07:10:23.522" v="58"/>
+          <ac:spMkLst>
+            <pc:docMk/>
+            <pc:sldMk cId="2299176424" sldId="279"/>
+            <ac:spMk id="4" creationId="{FFA9A1B7-ECB8-E74B-85F1-C7C1FA23AEBE}"/>
+          </ac:spMkLst>
+        </pc:spChg>
+        <pc:spChg chg="add del mod">
+          <ac:chgData name="Harbir Singh Kohli" userId="18529045-7e75-42d3-bd46-2dc2cabd7aa0" providerId="ADAL" clId="{9E3F37B4-2978-1645-A51E-B81412BDD000}" dt="2021-02-26T07:10:27.016" v="60"/>
+          <ac:spMkLst>
+            <pc:docMk/>
+            <pc:sldMk cId="2299176424" sldId="279"/>
+            <ac:spMk id="5" creationId="{ADD53781-7D4B-8F4A-8C0C-31D9D60F6083}"/>
           </ac:spMkLst>
         </pc:spChg>
       </pc:sldChg>
@@ -3724,10 +3802,9 @@
               <a:t>get_bgp_neighbors</a:t>
             </a:r>
             <a:r>
-              <a:rPr lang="nb-NO"/>
+              <a:rPr lang="nb-NO" dirty="0"/>
               <a:t>()</a:t>
             </a:r>
-            <a:endParaRPr lang="nb-NO" dirty="0"/>
           </a:p>
           <a:p>
             <a:r>
@@ -4164,7 +4241,7 @@
           <p:cNvPr id="2" name="Title 1">
             <a:extLst>
               <a:ext uri="{FF2B5EF4-FFF2-40B4-BE49-F238E27FC236}">
-                <a16:creationId xmlns:a16="http://schemas.microsoft.com/office/drawing/2014/main" id="{B196477D-FBB8-AE42-8F3F-9500EA6ECF2E}"/>
+                <a16:creationId xmlns:a16="http://schemas.microsoft.com/office/drawing/2014/main" id="{614BC15A-916A-9A43-80DE-D47E5F652748}"/>
               </a:ext>
             </a:extLst>
           </p:cNvPr>
@@ -4181,19 +4258,18 @@
           <a:lstStyle/>
           <a:p>
             <a:r>
-              <a:rPr lang="nb-NO" dirty="0" err="1"/>
-              <a:t>Extras</a:t>
-            </a:r>
-            <a:endParaRPr lang="nb-NO" dirty="0"/>
-          </a:p>
-        </p:txBody>
-      </p:sp>
-      <p:sp>
-        <p:nvSpPr>
-          <p:cNvPr id="4" name="Content Placeholder 2">
-            <a:extLst>
-              <a:ext uri="{FF2B5EF4-FFF2-40B4-BE49-F238E27FC236}">
-                <a16:creationId xmlns:a16="http://schemas.microsoft.com/office/drawing/2014/main" id="{67F493D1-0E94-C34F-9946-4891300A8205}"/>
+              <a:rPr lang="nb-NO" dirty="0"/>
+              <a:t>Q&amp;A</a:t>
+            </a:r>
+          </a:p>
+        </p:txBody>
+      </p:sp>
+      <p:sp>
+        <p:nvSpPr>
+          <p:cNvPr id="3" name="Content Placeholder 2">
+            <a:extLst>
+              <a:ext uri="{FF2B5EF4-FFF2-40B4-BE49-F238E27FC236}">
+                <a16:creationId xmlns:a16="http://schemas.microsoft.com/office/drawing/2014/main" id="{266FA01E-E0BC-7E46-9B58-66AF7A241828}"/>
               </a:ext>
             </a:extLst>
           </p:cNvPr>
@@ -4204,27 +4280,14 @@
             <p:ph idx="1"/>
           </p:nvPr>
         </p:nvSpPr>
-        <p:spPr>
-          <a:xfrm>
-            <a:off x="838200" y="1825625"/>
-            <a:ext cx="10515600" cy="4351338"/>
-          </a:xfrm>
-        </p:spPr>
-        <p:txBody>
-          <a:bodyPr/>
-          <a:lstStyle/>
-          <a:p>
-            <a:r>
-              <a:rPr lang="en-NO" dirty="0"/>
-              <a:t>Ting vi ikke rekker å gå gjennom </a:t>
-            </a:r>
-            <a:r>
-              <a:rPr lang="en-GB" dirty="0" err="1"/>
-              <a:t>i</a:t>
-            </a:r>
-            <a:r>
-              <a:rPr lang="en-NO" dirty="0"/>
-              <a:t>dag.</a:t>
+        <p:spPr/>
+        <p:txBody>
+          <a:bodyPr/>
+          <a:lstStyle/>
+          <a:p>
+            <a:r>
+              <a:rPr lang="nb-NO" dirty="0"/>
+              <a:t>Questions</a:t>
             </a:r>
           </a:p>
         </p:txBody>
@@ -4232,7 +4295,7 @@
     </p:spTree>
     <p:extLst>
       <p:ext uri="{BB962C8B-B14F-4D97-AF65-F5344CB8AC3E}">
-        <p14:creationId xmlns:p14="http://schemas.microsoft.com/office/powerpoint/2010/main" val="524331611"/>
+        <p14:creationId xmlns:p14="http://schemas.microsoft.com/office/powerpoint/2010/main" val="4229559583"/>
       </p:ext>
     </p:extLst>
   </p:cSld>
@@ -4264,7 +4327,7 @@
           <p:cNvPr id="2" name="Title 1">
             <a:extLst>
               <a:ext uri="{FF2B5EF4-FFF2-40B4-BE49-F238E27FC236}">
-                <a16:creationId xmlns:a16="http://schemas.microsoft.com/office/drawing/2014/main" id="{3A3AFB75-28E9-2940-A045-4E86CE1BA77E}"/>
+                <a16:creationId xmlns:a16="http://schemas.microsoft.com/office/drawing/2014/main" id="{B196477D-FBB8-AE42-8F3F-9500EA6ECF2E}"/>
               </a:ext>
             </a:extLst>
           </p:cNvPr>
@@ -4281,61 +4344,58 @@
           <a:lstStyle/>
           <a:p>
             <a:r>
+              <a:rPr lang="nb-NO" dirty="0" err="1"/>
+              <a:t>Extras</a:t>
+            </a:r>
+            <a:endParaRPr lang="nb-NO" dirty="0"/>
+          </a:p>
+        </p:txBody>
+      </p:sp>
+      <p:sp>
+        <p:nvSpPr>
+          <p:cNvPr id="4" name="Content Placeholder 2">
+            <a:extLst>
+              <a:ext uri="{FF2B5EF4-FFF2-40B4-BE49-F238E27FC236}">
+                <a16:creationId xmlns:a16="http://schemas.microsoft.com/office/drawing/2014/main" id="{67F493D1-0E94-C34F-9946-4891300A8205}"/>
+              </a:ext>
+            </a:extLst>
+          </p:cNvPr>
+          <p:cNvSpPr>
+            <a:spLocks noGrp="1"/>
+          </p:cNvSpPr>
+          <p:nvPr>
+            <p:ph idx="1"/>
+          </p:nvPr>
+        </p:nvSpPr>
+        <p:spPr>
+          <a:xfrm>
+            <a:off x="838200" y="1825625"/>
+            <a:ext cx="10515600" cy="4351338"/>
+          </a:xfrm>
+        </p:spPr>
+        <p:txBody>
+          <a:bodyPr/>
+          <a:lstStyle/>
+          <a:p>
+            <a:r>
               <a:rPr lang="en-NO" dirty="0"/>
-              <a:t>Source Code fra dagens demo</a:t>
-            </a:r>
-          </a:p>
-        </p:txBody>
-      </p:sp>
-      <p:sp>
-        <p:nvSpPr>
-          <p:cNvPr id="3" name="Content Placeholder 2">
-            <a:extLst>
-              <a:ext uri="{FF2B5EF4-FFF2-40B4-BE49-F238E27FC236}">
-                <a16:creationId xmlns:a16="http://schemas.microsoft.com/office/drawing/2014/main" id="{E3891111-9400-8248-80DA-E72F995708BD}"/>
-              </a:ext>
-            </a:extLst>
-          </p:cNvPr>
-          <p:cNvSpPr>
-            <a:spLocks noGrp="1"/>
-          </p:cNvSpPr>
-          <p:nvPr>
-            <p:ph idx="1"/>
-          </p:nvPr>
-        </p:nvSpPr>
-        <p:spPr/>
-        <p:txBody>
-          <a:bodyPr/>
-          <a:lstStyle/>
-          <a:p>
-            <a:r>
-              <a:rPr lang="en-GB" dirty="0"/>
-              <a:t>https://</a:t>
+              <a:t>Ting vi ikke rekker å gå gjennom </a:t>
             </a:r>
             <a:r>
               <a:rPr lang="en-GB" dirty="0" err="1"/>
-              <a:t>github.com</a:t>
-            </a:r>
-            <a:r>
-              <a:rPr lang="en-GB" dirty="0"/>
-              <a:t>/</a:t>
-            </a:r>
-            <a:r>
-              <a:rPr lang="en-GB" dirty="0" err="1"/>
-              <a:t>ateanorge</a:t>
-            </a:r>
-            <a:r>
-              <a:rPr lang="en-GB"/>
-              <a:t>/CNSDQ121/tree/main/02-Harbir</a:t>
-            </a:r>
-            <a:endParaRPr lang="en-NO" dirty="0"/>
+              <a:t>i</a:t>
+            </a:r>
+            <a:r>
+              <a:rPr lang="en-NO" dirty="0"/>
+              <a:t>dag.</a:t>
+            </a:r>
           </a:p>
         </p:txBody>
       </p:sp>
     </p:spTree>
     <p:extLst>
       <p:ext uri="{BB962C8B-B14F-4D97-AF65-F5344CB8AC3E}">
-        <p14:creationId xmlns:p14="http://schemas.microsoft.com/office/powerpoint/2010/main" val="1583850691"/>
+        <p14:creationId xmlns:p14="http://schemas.microsoft.com/office/powerpoint/2010/main" val="524331611"/>
       </p:ext>
     </p:extLst>
   </p:cSld>
@@ -4367,7 +4427,7 @@
           <p:cNvPr id="2" name="Title 1">
             <a:extLst>
               <a:ext uri="{FF2B5EF4-FFF2-40B4-BE49-F238E27FC236}">
-                <a16:creationId xmlns:a16="http://schemas.microsoft.com/office/drawing/2014/main" id="{DE60E59C-FA10-844C-AA6D-C0501B73A74D}"/>
+                <a16:creationId xmlns:a16="http://schemas.microsoft.com/office/drawing/2014/main" id="{3A3AFB75-28E9-2940-A045-4E86CE1BA77E}"/>
               </a:ext>
             </a:extLst>
           </p:cNvPr>
@@ -4385,7 +4445,7 @@
           <a:p>
             <a:r>
               <a:rPr lang="en-NO" dirty="0"/>
-              <a:t>Install	</a:t>
+              <a:t>Source Code fra dagens demo</a:t>
             </a:r>
           </a:p>
         </p:txBody>
@@ -4395,7 +4455,7 @@
           <p:cNvPr id="3" name="Content Placeholder 2">
             <a:extLst>
               <a:ext uri="{FF2B5EF4-FFF2-40B4-BE49-F238E27FC236}">
-                <a16:creationId xmlns:a16="http://schemas.microsoft.com/office/drawing/2014/main" id="{9F752728-CEAC-514F-AD07-AA0144DB641F}"/>
+                <a16:creationId xmlns:a16="http://schemas.microsoft.com/office/drawing/2014/main" id="{E3891111-9400-8248-80DA-E72F995708BD}"/>
               </a:ext>
             </a:extLst>
           </p:cNvPr>
@@ -4411,35 +4471,13 @@
           <a:bodyPr/>
           <a:lstStyle/>
           <a:p>
-            <a:r>
-              <a:rPr lang="en-GB" dirty="0">
-                <a:hlinkClick r:id="rId2"/>
-              </a:rPr>
-              <a:t>https://napalm.readthedocs.io/en/latest/installation/</a:t>
-            </a:r>
-            <a:endParaRPr lang="en-GB" dirty="0"/>
-          </a:p>
-          <a:p>
-            <a:r>
-              <a:rPr lang="en-GB" dirty="0"/>
-              <a:t> python3 -m pip install napalm</a:t>
-            </a:r>
-          </a:p>
-          <a:p>
-            <a:r>
-              <a:rPr lang="en-GB" dirty="0"/>
-              <a:t>Install dependencies</a:t>
-            </a:r>
-          </a:p>
-          <a:p>
-            <a:pPr lvl="1"/>
             <a:r>
               <a:rPr lang="en-GB" dirty="0"/>
               <a:t>https://</a:t>
             </a:r>
             <a:r>
               <a:rPr lang="en-GB" dirty="0" err="1"/>
-              <a:t>napalm.readthedocs.io</a:t>
+              <a:t>github.com</a:t>
             </a:r>
             <a:r>
               <a:rPr lang="en-GB" dirty="0"/>
@@ -4447,15 +4485,11 @@
             </a:r>
             <a:r>
               <a:rPr lang="en-GB" dirty="0" err="1"/>
-              <a:t>en</a:t>
-            </a:r>
-            <a:r>
-              <a:rPr lang="en-GB" dirty="0"/>
-              <a:t>/latest/installation/</a:t>
-            </a:r>
-            <a:r>
-              <a:rPr lang="en-GB" dirty="0" err="1"/>
-              <a:t>ios.html</a:t>
+              <a:t>ateanorge</a:t>
+            </a:r>
+            <a:r>
+              <a:rPr lang="en-GB"/>
+              <a:t>/CNSDQ121/tree/main/02-Harbir</a:t>
             </a:r>
             <a:endParaRPr lang="en-NO" dirty="0"/>
           </a:p>
@@ -4464,7 +4498,7 @@
     </p:spTree>
     <p:extLst>
       <p:ext uri="{BB962C8B-B14F-4D97-AF65-F5344CB8AC3E}">
-        <p14:creationId xmlns:p14="http://schemas.microsoft.com/office/powerpoint/2010/main" val="2500395696"/>
+        <p14:creationId xmlns:p14="http://schemas.microsoft.com/office/powerpoint/2010/main" val="1583850691"/>
       </p:ext>
     </p:extLst>
   </p:cSld>
@@ -4496,6 +4530,135 @@
           <p:cNvPr id="2" name="Title 1">
             <a:extLst>
               <a:ext uri="{FF2B5EF4-FFF2-40B4-BE49-F238E27FC236}">
+                <a16:creationId xmlns:a16="http://schemas.microsoft.com/office/drawing/2014/main" id="{DE60E59C-FA10-844C-AA6D-C0501B73A74D}"/>
+              </a:ext>
+            </a:extLst>
+          </p:cNvPr>
+          <p:cNvSpPr>
+            <a:spLocks noGrp="1"/>
+          </p:cNvSpPr>
+          <p:nvPr>
+            <p:ph type="title"/>
+          </p:nvPr>
+        </p:nvSpPr>
+        <p:spPr/>
+        <p:txBody>
+          <a:bodyPr/>
+          <a:lstStyle/>
+          <a:p>
+            <a:r>
+              <a:rPr lang="en-NO" dirty="0"/>
+              <a:t>Install	</a:t>
+            </a:r>
+          </a:p>
+        </p:txBody>
+      </p:sp>
+      <p:sp>
+        <p:nvSpPr>
+          <p:cNvPr id="3" name="Content Placeholder 2">
+            <a:extLst>
+              <a:ext uri="{FF2B5EF4-FFF2-40B4-BE49-F238E27FC236}">
+                <a16:creationId xmlns:a16="http://schemas.microsoft.com/office/drawing/2014/main" id="{9F752728-CEAC-514F-AD07-AA0144DB641F}"/>
+              </a:ext>
+            </a:extLst>
+          </p:cNvPr>
+          <p:cNvSpPr>
+            <a:spLocks noGrp="1"/>
+          </p:cNvSpPr>
+          <p:nvPr>
+            <p:ph idx="1"/>
+          </p:nvPr>
+        </p:nvSpPr>
+        <p:spPr/>
+        <p:txBody>
+          <a:bodyPr/>
+          <a:lstStyle/>
+          <a:p>
+            <a:r>
+              <a:rPr lang="en-GB" dirty="0">
+                <a:hlinkClick r:id="rId2"/>
+              </a:rPr>
+              <a:t>https://napalm.readthedocs.io/en/latest/installation/</a:t>
+            </a:r>
+            <a:endParaRPr lang="en-GB" dirty="0"/>
+          </a:p>
+          <a:p>
+            <a:r>
+              <a:rPr lang="en-GB" dirty="0"/>
+              <a:t> python3 -m pip install napalm</a:t>
+            </a:r>
+          </a:p>
+          <a:p>
+            <a:r>
+              <a:rPr lang="en-GB" dirty="0"/>
+              <a:t>Install dependencies</a:t>
+            </a:r>
+          </a:p>
+          <a:p>
+            <a:pPr lvl="1"/>
+            <a:r>
+              <a:rPr lang="en-GB" dirty="0"/>
+              <a:t>https://</a:t>
+            </a:r>
+            <a:r>
+              <a:rPr lang="en-GB" dirty="0" err="1"/>
+              <a:t>napalm.readthedocs.io</a:t>
+            </a:r>
+            <a:r>
+              <a:rPr lang="en-GB" dirty="0"/>
+              <a:t>/</a:t>
+            </a:r>
+            <a:r>
+              <a:rPr lang="en-GB" dirty="0" err="1"/>
+              <a:t>en</a:t>
+            </a:r>
+            <a:r>
+              <a:rPr lang="en-GB" dirty="0"/>
+              <a:t>/latest/installation/</a:t>
+            </a:r>
+            <a:r>
+              <a:rPr lang="en-GB" dirty="0" err="1"/>
+              <a:t>ios.html</a:t>
+            </a:r>
+            <a:endParaRPr lang="en-NO" dirty="0"/>
+          </a:p>
+        </p:txBody>
+      </p:sp>
+    </p:spTree>
+    <p:extLst>
+      <p:ext uri="{BB962C8B-B14F-4D97-AF65-F5344CB8AC3E}">
+        <p14:creationId xmlns:p14="http://schemas.microsoft.com/office/powerpoint/2010/main" val="2500395696"/>
+      </p:ext>
+    </p:extLst>
+  </p:cSld>
+  <p:clrMapOvr>
+    <a:masterClrMapping/>
+  </p:clrMapOvr>
+</p:sld>
+</file>
+
+<file path=ppt/slides/slide18.xml><?xml version="1.0" encoding="utf-8"?>
+<p:sld xmlns:a="http://schemas.openxmlformats.org/drawingml/2006/main" xmlns:r="http://schemas.openxmlformats.org/officeDocument/2006/relationships" xmlns:p="http://schemas.openxmlformats.org/presentationml/2006/main">
+  <p:cSld>
+    <p:spTree>
+      <p:nvGrpSpPr>
+        <p:cNvPr id="1" name=""/>
+        <p:cNvGrpSpPr/>
+        <p:nvPr/>
+      </p:nvGrpSpPr>
+      <p:grpSpPr>
+        <a:xfrm>
+          <a:off x="0" y="0"/>
+          <a:ext cx="0" cy="0"/>
+          <a:chOff x="0" y="0"/>
+          <a:chExt cx="0" cy="0"/>
+        </a:xfrm>
+      </p:grpSpPr>
+      <p:sp>
+        <p:nvSpPr>
+          <p:cNvPr id="2" name="Title 1">
+            <a:extLst>
+              <a:ext uri="{FF2B5EF4-FFF2-40B4-BE49-F238E27FC236}">
                 <a16:creationId xmlns:a16="http://schemas.microsoft.com/office/drawing/2014/main" id="{23BEEA68-445D-F74D-8634-752D28C54E64}"/>
               </a:ext>
             </a:extLst>
@@ -4581,7 +4744,7 @@
 </p:sld>
 </file>
 
-<file path=ppt/slides/slide18.xml><?xml version="1.0" encoding="utf-8"?>
+<file path=ppt/slides/slide19.xml><?xml version="1.0" encoding="utf-8"?>
 <p:sld xmlns:a="http://schemas.openxmlformats.org/drawingml/2006/main" xmlns:r="http://schemas.openxmlformats.org/officeDocument/2006/relationships" xmlns:p="http://schemas.openxmlformats.org/presentationml/2006/main">
   <p:cSld>
     <p:spTree>
@@ -4798,120 +4961,6 @@
 </p:sld>
 </file>
 
-<file path=ppt/slides/slide19.xml><?xml version="1.0" encoding="utf-8"?>
-<p:sld xmlns:a="http://schemas.openxmlformats.org/drawingml/2006/main" xmlns:r="http://schemas.openxmlformats.org/officeDocument/2006/relationships" xmlns:p="http://schemas.openxmlformats.org/presentationml/2006/main">
-  <p:cSld>
-    <p:spTree>
-      <p:nvGrpSpPr>
-        <p:cNvPr id="1" name=""/>
-        <p:cNvGrpSpPr/>
-        <p:nvPr/>
-      </p:nvGrpSpPr>
-      <p:grpSpPr>
-        <a:xfrm>
-          <a:off x="0" y="0"/>
-          <a:ext cx="0" cy="0"/>
-          <a:chOff x="0" y="0"/>
-          <a:chExt cx="0" cy="0"/>
-        </a:xfrm>
-      </p:grpSpPr>
-      <p:sp>
-        <p:nvSpPr>
-          <p:cNvPr id="2" name="Title 1">
-            <a:extLst>
-              <a:ext uri="{FF2B5EF4-FFF2-40B4-BE49-F238E27FC236}">
-                <a16:creationId xmlns:a16="http://schemas.microsoft.com/office/drawing/2014/main" id="{57F02F7F-7C83-414A-AC50-2340D26C4BB1}"/>
-              </a:ext>
-            </a:extLst>
-          </p:cNvPr>
-          <p:cNvSpPr>
-            <a:spLocks noGrp="1"/>
-          </p:cNvSpPr>
-          <p:nvPr>
-            <p:ph type="title"/>
-          </p:nvPr>
-        </p:nvSpPr>
-        <p:spPr/>
-        <p:txBody>
-          <a:bodyPr/>
-          <a:lstStyle/>
-          <a:p>
-            <a:r>
-              <a:rPr lang="en-NO" dirty="0"/>
-              <a:t>CLI Tool og Debug</a:t>
-            </a:r>
-          </a:p>
-        </p:txBody>
-      </p:sp>
-      <p:sp>
-        <p:nvSpPr>
-          <p:cNvPr id="3" name="Content Placeholder 2">
-            <a:extLst>
-              <a:ext uri="{FF2B5EF4-FFF2-40B4-BE49-F238E27FC236}">
-                <a16:creationId xmlns:a16="http://schemas.microsoft.com/office/drawing/2014/main" id="{2F2F3F46-4332-0046-AE0D-432E60F4C5DC}"/>
-              </a:ext>
-            </a:extLst>
-          </p:cNvPr>
-          <p:cNvSpPr>
-            <a:spLocks noGrp="1"/>
-          </p:cNvSpPr>
-          <p:nvPr>
-            <p:ph idx="1"/>
-          </p:nvPr>
-        </p:nvSpPr>
-        <p:spPr/>
-        <p:txBody>
-          <a:bodyPr/>
-          <a:lstStyle/>
-          <a:p>
-            <a:r>
-              <a:rPr lang="nb-NO" dirty="0"/>
-              <a:t>Vi rekker ikke å gå gjennom i dagens sesjon, men mer informasjon finnes her:</a:t>
-            </a:r>
-          </a:p>
-          <a:p>
-            <a:pPr lvl="1"/>
-            <a:r>
-              <a:rPr lang="en-GB" dirty="0"/>
-              <a:t>https://</a:t>
-            </a:r>
-            <a:r>
-              <a:rPr lang="en-GB" dirty="0" err="1"/>
-              <a:t>napalm.readthedocs.io</a:t>
-            </a:r>
-            <a:r>
-              <a:rPr lang="en-GB" dirty="0"/>
-              <a:t>/</a:t>
-            </a:r>
-            <a:r>
-              <a:rPr lang="en-GB" dirty="0" err="1"/>
-              <a:t>en</a:t>
-            </a:r>
-            <a:r>
-              <a:rPr lang="en-GB" dirty="0"/>
-              <a:t>/latest/</a:t>
-            </a:r>
-            <a:r>
-              <a:rPr lang="en-GB" dirty="0" err="1"/>
-              <a:t>cli.html</a:t>
-            </a:r>
-            <a:endParaRPr lang="en-NO" dirty="0"/>
-          </a:p>
-        </p:txBody>
-      </p:sp>
-    </p:spTree>
-    <p:extLst>
-      <p:ext uri="{BB962C8B-B14F-4D97-AF65-F5344CB8AC3E}">
-        <p14:creationId xmlns:p14="http://schemas.microsoft.com/office/powerpoint/2010/main" val="1732614961"/>
-      </p:ext>
-    </p:extLst>
-  </p:cSld>
-  <p:clrMapOvr>
-    <a:masterClrMapping/>
-  </p:clrMapOvr>
-</p:sld>
-</file>
-
 <file path=ppt/slides/slide2.xml><?xml version="1.0" encoding="utf-8"?>
 <p:sld xmlns:a="http://schemas.openxmlformats.org/drawingml/2006/main" xmlns:r="http://schemas.openxmlformats.org/officeDocument/2006/relationships" xmlns:p="http://schemas.openxmlformats.org/presentationml/2006/main">
   <p:cSld>
@@ -4980,6 +5029,12 @@
           <a:p>
             <a:r>
               <a:rPr lang="en-NO" dirty="0"/>
+              <a:t>Why automate?</a:t>
+            </a:r>
+          </a:p>
+          <a:p>
+            <a:r>
+              <a:rPr lang="en-NO" dirty="0"/>
               <a:t>High level overview</a:t>
             </a:r>
           </a:p>
@@ -5013,6 +5068,120 @@
     <p:extLst>
       <p:ext uri="{BB962C8B-B14F-4D97-AF65-F5344CB8AC3E}">
         <p14:creationId xmlns:p14="http://schemas.microsoft.com/office/powerpoint/2010/main" val="247455556"/>
+      </p:ext>
+    </p:extLst>
+  </p:cSld>
+  <p:clrMapOvr>
+    <a:masterClrMapping/>
+  </p:clrMapOvr>
+</p:sld>
+</file>
+
+<file path=ppt/slides/slide20.xml><?xml version="1.0" encoding="utf-8"?>
+<p:sld xmlns:a="http://schemas.openxmlformats.org/drawingml/2006/main" xmlns:r="http://schemas.openxmlformats.org/officeDocument/2006/relationships" xmlns:p="http://schemas.openxmlformats.org/presentationml/2006/main">
+  <p:cSld>
+    <p:spTree>
+      <p:nvGrpSpPr>
+        <p:cNvPr id="1" name=""/>
+        <p:cNvGrpSpPr/>
+        <p:nvPr/>
+      </p:nvGrpSpPr>
+      <p:grpSpPr>
+        <a:xfrm>
+          <a:off x="0" y="0"/>
+          <a:ext cx="0" cy="0"/>
+          <a:chOff x="0" y="0"/>
+          <a:chExt cx="0" cy="0"/>
+        </a:xfrm>
+      </p:grpSpPr>
+      <p:sp>
+        <p:nvSpPr>
+          <p:cNvPr id="2" name="Title 1">
+            <a:extLst>
+              <a:ext uri="{FF2B5EF4-FFF2-40B4-BE49-F238E27FC236}">
+                <a16:creationId xmlns:a16="http://schemas.microsoft.com/office/drawing/2014/main" id="{57F02F7F-7C83-414A-AC50-2340D26C4BB1}"/>
+              </a:ext>
+            </a:extLst>
+          </p:cNvPr>
+          <p:cNvSpPr>
+            <a:spLocks noGrp="1"/>
+          </p:cNvSpPr>
+          <p:nvPr>
+            <p:ph type="title"/>
+          </p:nvPr>
+        </p:nvSpPr>
+        <p:spPr/>
+        <p:txBody>
+          <a:bodyPr/>
+          <a:lstStyle/>
+          <a:p>
+            <a:r>
+              <a:rPr lang="en-NO" dirty="0"/>
+              <a:t>CLI Tool og Debug</a:t>
+            </a:r>
+          </a:p>
+        </p:txBody>
+      </p:sp>
+      <p:sp>
+        <p:nvSpPr>
+          <p:cNvPr id="3" name="Content Placeholder 2">
+            <a:extLst>
+              <a:ext uri="{FF2B5EF4-FFF2-40B4-BE49-F238E27FC236}">
+                <a16:creationId xmlns:a16="http://schemas.microsoft.com/office/drawing/2014/main" id="{2F2F3F46-4332-0046-AE0D-432E60F4C5DC}"/>
+              </a:ext>
+            </a:extLst>
+          </p:cNvPr>
+          <p:cNvSpPr>
+            <a:spLocks noGrp="1"/>
+          </p:cNvSpPr>
+          <p:nvPr>
+            <p:ph idx="1"/>
+          </p:nvPr>
+        </p:nvSpPr>
+        <p:spPr/>
+        <p:txBody>
+          <a:bodyPr/>
+          <a:lstStyle/>
+          <a:p>
+            <a:r>
+              <a:rPr lang="nb-NO" dirty="0"/>
+              <a:t>Vi rekker ikke å gå gjennom i dagens sesjon, men mer informasjon finnes her:</a:t>
+            </a:r>
+          </a:p>
+          <a:p>
+            <a:pPr lvl="1"/>
+            <a:r>
+              <a:rPr lang="en-GB" dirty="0"/>
+              <a:t>https://</a:t>
+            </a:r>
+            <a:r>
+              <a:rPr lang="en-GB" dirty="0" err="1"/>
+              <a:t>napalm.readthedocs.io</a:t>
+            </a:r>
+            <a:r>
+              <a:rPr lang="en-GB" dirty="0"/>
+              <a:t>/</a:t>
+            </a:r>
+            <a:r>
+              <a:rPr lang="en-GB" dirty="0" err="1"/>
+              <a:t>en</a:t>
+            </a:r>
+            <a:r>
+              <a:rPr lang="en-GB" dirty="0"/>
+              <a:t>/latest/</a:t>
+            </a:r>
+            <a:r>
+              <a:rPr lang="en-GB" dirty="0" err="1"/>
+              <a:t>cli.html</a:t>
+            </a:r>
+            <a:endParaRPr lang="en-NO" dirty="0"/>
+          </a:p>
+        </p:txBody>
+      </p:sp>
+    </p:spTree>
+    <p:extLst>
+      <p:ext uri="{BB962C8B-B14F-4D97-AF65-F5344CB8AC3E}">
+        <p14:creationId xmlns:p14="http://schemas.microsoft.com/office/powerpoint/2010/main" val="1732614961"/>
       </p:ext>
     </p:extLst>
   </p:cSld>
